--- a/deliverables/iteration3/Iteration3Presentation.pptx
+++ b/deliverables/iteration3/Iteration3Presentation.pptx
@@ -7034,19 +7034,13 @@
           <a:p>
             <a:r>
               <a:rPr lang="en-US" dirty="0"/>
-              <a:t>Functional</a:t>
+              <a:t>Not much has changed from the last iteration to this one</a:t>
             </a:r>
           </a:p>
           <a:p>
             <a:r>
               <a:rPr lang="en-US" dirty="0"/>
-              <a:t>Ease of Use </a:t>
-            </a:r>
-          </a:p>
-          <a:p>
-            <a:r>
-              <a:rPr lang="en-US" dirty="0"/>
-              <a:t>Images</a:t>
+              <a:t>Just more polishing</a:t>
             </a:r>
           </a:p>
           <a:p>
